--- a/20201007_ReactionGUI.pptx
+++ b/20201007_ReactionGUI.pptx
@@ -251,7 +251,7 @@
           <a:p>
             <a:fld id="{AA4AF792-F1C3-4C8C-AF1D-E27D49F58C78}" type="datetimeFigureOut">
               <a:rPr lang="ko-KR" altLang="en-US" smtClean="0"/>
-              <a:t>2020-10-06</a:t>
+              <a:t>2020-10-09</a:t>
             </a:fld>
             <a:endParaRPr lang="ko-KR" altLang="en-US"/>
           </a:p>
@@ -810,7 +810,7 @@
           <a:p>
             <a:fld id="{FB30EDBD-1C2D-4C1E-B459-B60219FAB484}" type="datetimeFigureOut">
               <a:rPr lang="ko-KR" altLang="en-US" smtClean="0"/>
-              <a:t>2020-10-06</a:t>
+              <a:t>2020-10-09</a:t>
             </a:fld>
             <a:endParaRPr lang="ko-KR" altLang="en-US"/>
           </a:p>
@@ -1001,7 +1001,7 @@
           <a:p>
             <a:fld id="{FB30EDBD-1C2D-4C1E-B459-B60219FAB484}" type="datetimeFigureOut">
               <a:rPr lang="ko-KR" altLang="en-US" smtClean="0"/>
-              <a:t>2020-10-06</a:t>
+              <a:t>2020-10-09</a:t>
             </a:fld>
             <a:endParaRPr lang="ko-KR" altLang="en-US"/>
           </a:p>
@@ -1186,7 +1186,7 @@
           <a:p>
             <a:fld id="{FB30EDBD-1C2D-4C1E-B459-B60219FAB484}" type="datetimeFigureOut">
               <a:rPr lang="ko-KR" altLang="en-US" smtClean="0"/>
-              <a:t>2020-10-06</a:t>
+              <a:t>2020-10-09</a:t>
             </a:fld>
             <a:endParaRPr lang="ko-KR" altLang="en-US"/>
           </a:p>
@@ -1449,7 +1449,7 @@
           <a:p>
             <a:fld id="{FB30EDBD-1C2D-4C1E-B459-B60219FAB484}" type="datetimeFigureOut">
               <a:rPr lang="ko-KR" altLang="en-US" smtClean="0"/>
-              <a:t>2020-10-06</a:t>
+              <a:t>2020-10-09</a:t>
             </a:fld>
             <a:endParaRPr lang="ko-KR" altLang="en-US"/>
           </a:p>
@@ -1865,7 +1865,7 @@
           <a:p>
             <a:fld id="{FB30EDBD-1C2D-4C1E-B459-B60219FAB484}" type="datetimeFigureOut">
               <a:rPr lang="ko-KR" altLang="en-US" smtClean="0"/>
-              <a:t>2020-10-06</a:t>
+              <a:t>2020-10-09</a:t>
             </a:fld>
             <a:endParaRPr lang="ko-KR" altLang="en-US"/>
           </a:p>
@@ -2107,7 +2107,7 @@
           <a:p>
             <a:fld id="{FB30EDBD-1C2D-4C1E-B459-B60219FAB484}" type="datetimeFigureOut">
               <a:rPr lang="ko-KR" altLang="en-US" smtClean="0"/>
-              <a:t>2020-10-06</a:t>
+              <a:t>2020-10-09</a:t>
             </a:fld>
             <a:endParaRPr lang="ko-KR" altLang="en-US"/>
           </a:p>
@@ -2343,7 +2343,7 @@
           <a:p>
             <a:fld id="{FB30EDBD-1C2D-4C1E-B459-B60219FAB484}" type="datetimeFigureOut">
               <a:rPr lang="ko-KR" altLang="en-US" smtClean="0"/>
-              <a:t>2020-10-06</a:t>
+              <a:t>2020-10-09</a:t>
             </a:fld>
             <a:endParaRPr lang="ko-KR" altLang="en-US"/>
           </a:p>
@@ -2538,7 +2538,7 @@
           <a:p>
             <a:fld id="{FB30EDBD-1C2D-4C1E-B459-B60219FAB484}" type="datetimeFigureOut">
               <a:rPr lang="ko-KR" altLang="en-US" smtClean="0"/>
-              <a:t>2020-10-06</a:t>
+              <a:t>2020-10-09</a:t>
             </a:fld>
             <a:endParaRPr lang="ko-KR" altLang="en-US"/>
           </a:p>
@@ -2636,7 +2636,7 @@
           <a:p>
             <a:fld id="{FB30EDBD-1C2D-4C1E-B459-B60219FAB484}" type="datetimeFigureOut">
               <a:rPr lang="ko-KR" altLang="en-US" smtClean="0"/>
-              <a:t>2020-10-06</a:t>
+              <a:t>2020-10-09</a:t>
             </a:fld>
             <a:endParaRPr lang="ko-KR" altLang="en-US"/>
           </a:p>
@@ -2772,7 +2772,7 @@
           <a:p>
             <a:fld id="{FB30EDBD-1C2D-4C1E-B459-B60219FAB484}" type="datetimeFigureOut">
               <a:rPr lang="ko-KR" altLang="en-US" smtClean="0"/>
-              <a:t>2020-10-06</a:t>
+              <a:t>2020-10-09</a:t>
             </a:fld>
             <a:endParaRPr lang="ko-KR" altLang="en-US"/>
           </a:p>
@@ -3290,7 +3290,7 @@
           <a:p>
             <a:fld id="{FB30EDBD-1C2D-4C1E-B459-B60219FAB484}" type="datetimeFigureOut">
               <a:rPr lang="ko-KR" altLang="en-US" smtClean="0"/>
-              <a:t>2020-10-06</a:t>
+              <a:t>2020-10-09</a:t>
             </a:fld>
             <a:endParaRPr lang="ko-KR" altLang="en-US"/>
           </a:p>
@@ -3551,7 +3551,7 @@
           <a:p>
             <a:fld id="{FB30EDBD-1C2D-4C1E-B459-B60219FAB484}" type="datetimeFigureOut">
               <a:rPr lang="ko-KR" altLang="en-US" smtClean="0"/>
-              <a:t>2020-10-06</a:t>
+              <a:t>2020-10-09</a:t>
             </a:fld>
             <a:endParaRPr lang="ko-KR" altLang="en-US"/>
           </a:p>
@@ -4161,6 +4161,21 @@
   <p:clrMapOvr>
     <a:masterClrMapping/>
   </p:clrMapOvr>
+  <mc:AlternateContent xmlns:mc="http://schemas.openxmlformats.org/markup-compatibility/2006">
+    <mc:Choice xmlns:p14="http://schemas.microsoft.com/office/powerpoint/2010/main" Requires="p14">
+      <p:transition spd="slow" p14:dur="2000"/>
+    </mc:Choice>
+    <mc:Fallback>
+      <p:transition spd="slow"/>
+    </mc:Fallback>
+  </mc:AlternateContent>
+  <p:timing>
+    <p:tnLst>
+      <p:par>
+        <p:cTn id="1" dur="indefinite" restart="never" nodeType="tmRoot"/>
+      </p:par>
+    </p:tnLst>
+  </p:timing>
 </p:sld>
 </file>
 
@@ -6266,7 +6281,7 @@
           <a:p>
             <a:r>
               <a:rPr lang="en-US" altLang="ko-KR" dirty="0" smtClean="0"/>
-              <a:t>There are many nuclear reaction codes available(DWUCK, ECIS, FRESCO, TWOFNR, …) </a:t>
+              <a:t>There are many direct nuclear reaction codes available(DWUCK, ECIS, FRESCO, TWOFNR, …) </a:t>
             </a:r>
           </a:p>
           <a:p>
@@ -6294,7 +6309,6 @@
               <a:rPr lang="en-US" altLang="ko-KR" dirty="0" smtClean="0"/>
               <a:t>Usually need separate plotting tools</a:t>
             </a:r>
-            <a:endParaRPr lang="en-US" altLang="ko-KR" dirty="0" smtClean="0"/>
           </a:p>
           <a:p>
             <a:r>
@@ -6330,6 +6344,13 @@
   <p:clrMapOvr>
     <a:masterClrMapping/>
   </p:clrMapOvr>
+  <p:timing>
+    <p:tnLst>
+      <p:par>
+        <p:cTn id="1" dur="indefinite" restart="never" nodeType="tmRoot"/>
+      </p:par>
+    </p:tnLst>
+  </p:timing>
 </p:sld>
 </file>
 
@@ -7343,15 +7364,7 @@
           <a:p>
             <a:r>
               <a:rPr lang="en-US" altLang="ko-KR" dirty="0" smtClean="0"/>
-              <a:t>If potential is strong, the born </a:t>
-            </a:r>
-            <a:r>
-              <a:rPr lang="en-US" altLang="ko-KR" dirty="0" smtClean="0"/>
-              <a:t>series </a:t>
-            </a:r>
-            <a:r>
-              <a:rPr lang="en-US" altLang="ko-KR" dirty="0" smtClean="0"/>
-              <a:t>have bad convergence.</a:t>
+              <a:t>If potential is strong, the born series have bad convergence.</a:t>
             </a:r>
           </a:p>
           <a:p>
@@ -9522,7 +9535,21 @@
           <a:p>
             <a:r>
               <a:rPr lang="en-US" altLang="ko-KR" dirty="0" smtClean="0"/>
-              <a:t>GUI code is still under development.</a:t>
+              <a:t>GUI code is still under development</a:t>
+            </a:r>
+            <a:r>
+              <a:rPr lang="en-US" altLang="ko-KR" dirty="0"/>
+              <a:t>. (by Y.-H. Song and I.J. Shin</a:t>
+            </a:r>
+            <a:r>
+              <a:rPr lang="en-US" altLang="ko-KR" dirty="0" smtClean="0"/>
+              <a:t>.)</a:t>
+            </a:r>
+          </a:p>
+          <a:p>
+            <a:r>
+              <a:rPr lang="en-US" altLang="ko-KR" dirty="0" smtClean="0"/>
+              <a:t>Core calculation is done using FRESCO</a:t>
             </a:r>
           </a:p>
           <a:p>
@@ -9553,11 +9580,18 @@
             </a:r>
             <a:r>
               <a:rPr lang="en-US" altLang="ko-KR" dirty="0" smtClean="0"/>
-              <a:t>  (Contact me for suggestion, help.) </a:t>
-            </a:r>
-          </a:p>
-          <a:p>
-            <a:endParaRPr lang="en-US" altLang="ko-KR" dirty="0" smtClean="0"/>
+              <a:t>  (</a:t>
+            </a:r>
+            <a:r>
+              <a:rPr lang="en-US" altLang="ko-KR" dirty="0" smtClean="0">
+                <a:hlinkClick r:id="rId2"/>
+              </a:rPr>
+              <a:t>yhsong@ibs.re.kr</a:t>
+            </a:r>
+            <a:r>
+              <a:rPr lang="en-US" altLang="ko-KR" dirty="0" smtClean="0"/>
+              <a:t> for suggestions, errors, troubles) </a:t>
+            </a:r>
           </a:p>
         </p:txBody>
       </p:sp>
@@ -19312,15 +19346,7 @@
           <a:p>
             <a:r>
               <a:rPr lang="en-US" altLang="ko-KR" dirty="0" smtClean="0"/>
-              <a:t>Suppose </a:t>
-            </a:r>
-            <a:r>
-              <a:rPr lang="en-US" altLang="ko-KR" dirty="0" smtClean="0"/>
-              <a:t>projectile/target </a:t>
-            </a:r>
-            <a:r>
-              <a:rPr lang="en-US" altLang="ko-KR" dirty="0" smtClean="0"/>
-              <a:t>is composed with two particle</a:t>
+              <a:t>Suppose projectile/target is composed with two particle</a:t>
             </a:r>
             <a:endParaRPr lang="ko-KR" altLang="en-US" dirty="0"/>
           </a:p>
@@ -19459,6 +19485,48 @@
             <a:r>
               <a:rPr lang="en-US" altLang="ko-KR" dirty="0" smtClean="0"/>
               <a:t>‘Pickup/stripping/break up’ are used w.r.t. projectile</a:t>
+            </a:r>
+            <a:endParaRPr lang="ko-KR" altLang="en-US" dirty="0"/>
+          </a:p>
+        </p:txBody>
+      </p:sp>
+      <p:sp>
+        <p:nvSpPr>
+          <p:cNvPr id="4" name="TextBox 3"/>
+          <p:cNvSpPr txBox="1"/>
+          <p:nvPr/>
+        </p:nvSpPr>
+        <p:spPr>
+          <a:xfrm>
+            <a:off x="1259632" y="6134176"/>
+            <a:ext cx="6231321" cy="369332"/>
+          </a:xfrm>
+          <a:prstGeom prst="rect">
+            <a:avLst/>
+          </a:prstGeom>
+          <a:noFill/>
+        </p:spPr>
+        <p:txBody>
+          <a:bodyPr wrap="none" rtlCol="0">
+            <a:spAutoFit/>
+          </a:bodyPr>
+          <a:lstStyle/>
+          <a:p>
+            <a:r>
+              <a:rPr lang="en-US" altLang="ko-KR" dirty="0" smtClean="0"/>
+              <a:t>Here we only consider </a:t>
+            </a:r>
+            <a:r>
+              <a:rPr lang="en-US" altLang="ko-KR" dirty="0" smtClean="0">
+                <a:solidFill>
+                  <a:srgbClr val="FF0000"/>
+                </a:solidFill>
+              </a:rPr>
+              <a:t>direct </a:t>
+            </a:r>
+            <a:r>
+              <a:rPr lang="en-US" altLang="ko-KR" dirty="0" smtClean="0"/>
+              <a:t>reactions. ( No compound reaction.) </a:t>
             </a:r>
             <a:endParaRPr lang="ko-KR" altLang="en-US" dirty="0"/>
           </a:p>
